--- a/IDPA/Too Many Medical Problems 3.pptx
+++ b/IDPA/Too Many Medical Problems 3.pptx
@@ -494,7 +494,7 @@
               <a:pPr>
                 <a:defRPr/>
               </a:pPr>
-              <a:t>3/5/20</a:t>
+              <a:t>3/6/20</a:t>
             </a:fld>
             <a:endParaRPr lang="en-US"/>
           </a:p>
@@ -5796,9 +5796,9 @@
           <p:nvPr/>
         </p:nvCxnSpPr>
         <p:spPr>
-          <a:xfrm flipH="1" flipV="1">
-            <a:off x="6125331" y="8393113"/>
-            <a:ext cx="298449" cy="446087"/>
+          <a:xfrm flipV="1">
+            <a:off x="4888120" y="8393114"/>
+            <a:ext cx="187915" cy="571789"/>
           </a:xfrm>
           <a:prstGeom prst="line">
             <a:avLst/>
@@ -5839,7 +5839,7 @@
         </p:nvSpPr>
         <p:spPr>
           <a:xfrm>
-            <a:off x="6320682" y="8973066"/>
+            <a:off x="4448677" y="8439580"/>
             <a:ext cx="533400" cy="369332"/>
           </a:xfrm>
           <a:prstGeom prst="rect">
@@ -5875,7 +5875,7 @@
         </p:nvSpPr>
         <p:spPr>
           <a:xfrm>
-            <a:off x="2788915" y="7666637"/>
+            <a:off x="352425" y="6757392"/>
             <a:ext cx="533400" cy="369332"/>
           </a:xfrm>
           <a:prstGeom prst="rect">
@@ -6067,7 +6067,7 @@
         </p:nvSpPr>
         <p:spPr>
           <a:xfrm>
-            <a:off x="124506" y="6698261"/>
+            <a:off x="702109" y="5420165"/>
             <a:ext cx="533400" cy="369332"/>
           </a:xfrm>
           <a:prstGeom prst="rect">
@@ -6102,7 +6102,7 @@
         </p:nvSpPr>
         <p:spPr>
           <a:xfrm>
-            <a:off x="542762" y="6200791"/>
+            <a:off x="1397688" y="5228280"/>
             <a:ext cx="533400" cy="369332"/>
           </a:xfrm>
           <a:prstGeom prst="rect">
@@ -6137,7 +6137,7 @@
         </p:nvSpPr>
         <p:spPr>
           <a:xfrm>
-            <a:off x="5969234" y="5562600"/>
+            <a:off x="6479603" y="6166882"/>
             <a:ext cx="470740" cy="369332"/>
           </a:xfrm>
           <a:prstGeom prst="rect">
@@ -6242,7 +6242,7 @@
         </p:nvSpPr>
         <p:spPr>
           <a:xfrm>
-            <a:off x="1922814" y="4398338"/>
+            <a:off x="2457933" y="4496741"/>
             <a:ext cx="533400" cy="369332"/>
           </a:xfrm>
           <a:prstGeom prst="rect">
@@ -6314,7 +6314,7 @@
         </p:nvSpPr>
         <p:spPr bwMode="auto">
           <a:xfrm>
-            <a:off x="3986213" y="7315200"/>
+            <a:off x="2936916" y="7315200"/>
             <a:ext cx="2157413" cy="1077913"/>
           </a:xfrm>
           <a:prstGeom prst="rect">
@@ -6509,7 +6509,7 @@
         </p:nvGrpSpPr>
         <p:grpSpPr bwMode="auto">
           <a:xfrm flipH="1">
-            <a:off x="451531" y="6903232"/>
+            <a:off x="958422" y="5737463"/>
             <a:ext cx="222250" cy="858838"/>
             <a:chOff x="384" y="816"/>
             <a:chExt cx="140" cy="541"/>
@@ -6799,7 +6799,7 @@
         </p:nvGrpSpPr>
         <p:grpSpPr bwMode="auto">
           <a:xfrm flipH="1">
-            <a:off x="853912" y="6401057"/>
+            <a:off x="1451670" y="5655060"/>
             <a:ext cx="222250" cy="858838"/>
             <a:chOff x="384" y="816"/>
             <a:chExt cx="140" cy="541"/>
@@ -8245,7 +8245,7 @@
         </p:nvGrpSpPr>
         <p:grpSpPr bwMode="auto">
           <a:xfrm>
-            <a:off x="2219583" y="4627759"/>
+            <a:off x="2702408" y="4867660"/>
             <a:ext cx="288925" cy="787400"/>
             <a:chOff x="1008" y="2592"/>
             <a:chExt cx="182" cy="496"/>
@@ -9111,7 +9111,7 @@
         </p:nvGrpSpPr>
         <p:grpSpPr bwMode="auto">
           <a:xfrm>
-            <a:off x="5867400" y="5867400"/>
+            <a:off x="6487735" y="6694168"/>
             <a:ext cx="288925" cy="787400"/>
             <a:chOff x="1008" y="2592"/>
             <a:chExt cx="182" cy="496"/>
@@ -9646,7 +9646,7 @@
         </p:nvGrpSpPr>
         <p:grpSpPr bwMode="auto">
           <a:xfrm>
-            <a:off x="3070555" y="7930615"/>
+            <a:off x="683002" y="6954384"/>
             <a:ext cx="228600" cy="862013"/>
             <a:chOff x="1680" y="768"/>
             <a:chExt cx="144" cy="543"/>
@@ -10199,7 +10199,7 @@
         </p:nvCxnSpPr>
         <p:spPr>
           <a:xfrm flipH="1">
-            <a:off x="4050192" y="8742272"/>
+            <a:off x="3000895" y="8742272"/>
             <a:ext cx="533399" cy="1"/>
           </a:xfrm>
           <a:prstGeom prst="line">
@@ -10243,7 +10243,7 @@
         </p:nvCxnSpPr>
         <p:spPr>
           <a:xfrm flipH="1">
-            <a:off x="4583590" y="8731584"/>
+            <a:off x="3534293" y="8731584"/>
             <a:ext cx="1" cy="432183"/>
           </a:xfrm>
           <a:prstGeom prst="line">
@@ -10287,7 +10287,7 @@
         </p:nvCxnSpPr>
         <p:spPr>
           <a:xfrm flipH="1">
-            <a:off x="4070025" y="8731584"/>
+            <a:off x="3020728" y="8731584"/>
             <a:ext cx="1" cy="432183"/>
           </a:xfrm>
           <a:prstGeom prst="line">
@@ -10331,7 +10331,7 @@
         </p:nvCxnSpPr>
         <p:spPr>
           <a:xfrm flipH="1">
-            <a:off x="4050191" y="9174455"/>
+            <a:off x="3000894" y="9174455"/>
             <a:ext cx="533399" cy="1"/>
           </a:xfrm>
           <a:prstGeom prst="line">
@@ -10373,7 +10373,7 @@
         </p:nvSpPr>
         <p:spPr>
           <a:xfrm>
-            <a:off x="3940895" y="8799779"/>
+            <a:off x="2891598" y="8799779"/>
             <a:ext cx="859705" cy="369332"/>
           </a:xfrm>
           <a:prstGeom prst="rect">
@@ -10447,7 +10447,7 @@
         </p:nvSpPr>
         <p:spPr bwMode="auto">
           <a:xfrm>
-            <a:off x="3716297" y="8350768"/>
+            <a:off x="2667000" y="8350768"/>
             <a:ext cx="323850" cy="568325"/>
           </a:xfrm>
           <a:prstGeom prst="can">
@@ -10596,7 +10596,7 @@
         </p:nvSpPr>
         <p:spPr>
           <a:xfrm>
-            <a:off x="5601661" y="4910629"/>
+            <a:off x="6233474" y="5117433"/>
             <a:ext cx="671512" cy="369332"/>
           </a:xfrm>
           <a:prstGeom prst="rect">
@@ -10633,7 +10633,7 @@
         </p:nvGrpSpPr>
         <p:grpSpPr bwMode="auto">
           <a:xfrm>
-            <a:off x="5591175" y="5105400"/>
+            <a:off x="6352363" y="5665497"/>
             <a:ext cx="123825" cy="434975"/>
             <a:chOff x="2574" y="2166"/>
             <a:chExt cx="96" cy="398"/>

--- a/IDPA/Too Many Medical Problems 3.pptx
+++ b/IDPA/Too Many Medical Problems 3.pptx
@@ -4382,7 +4382,7 @@
           <p:nvPr>
             <p:extLst>
               <p:ext uri="{D42A27DB-BD31-4B8C-83A1-F6EECF244321}">
-                <p14:modId xmlns:p14="http://schemas.microsoft.com/office/powerpoint/2010/main" val="3472672980"/>
+                <p14:modId xmlns:p14="http://schemas.microsoft.com/office/powerpoint/2010/main" val="1860821220"/>
               </p:ext>
             </p:extLst>
           </p:nvPr>
@@ -5298,8 +5298,35 @@
                           <a:ea typeface="ＭＳ Ｐゴシック" pitchFamily="-112" charset="-128"/>
                           <a:cs typeface="Times New Roman" pitchFamily="-112" charset="0"/>
                         </a:rPr>
-                        <a:t>TARGETS:	         11 IDPA</a:t>
+                        <a:t>TARGETS:	</a:t>
                       </a:r>
+                      <a:r>
+                        <a:rPr kumimoji="0" lang="en-US" sz="1100" b="1" i="0" u="none" strike="noStrike" cap="none" normalizeH="0" baseline="0">
+                          <a:ln>
+                            <a:noFill/>
+                          </a:ln>
+                          <a:solidFill>
+                            <a:schemeClr val="tx1"/>
+                          </a:solidFill>
+                          <a:effectLst/>
+                          <a:latin typeface="Arial" charset="0"/>
+                          <a:ea typeface="ＭＳ Ｐゴシック" pitchFamily="-112" charset="-128"/>
+                          <a:cs typeface="Times New Roman" pitchFamily="-112" charset="0"/>
+                        </a:rPr>
+                        <a:t>         8 IDPA, 1 PP</a:t>
+                      </a:r>
+                      <a:endParaRPr kumimoji="0" lang="en-US" sz="1100" b="1" i="0" u="none" strike="noStrike" cap="none" normalizeH="0" baseline="0" dirty="0">
+                        <a:ln>
+                          <a:noFill/>
+                        </a:ln>
+                        <a:solidFill>
+                          <a:schemeClr val="tx1"/>
+                        </a:solidFill>
+                        <a:effectLst/>
+                        <a:latin typeface="Arial" charset="0"/>
+                        <a:ea typeface="ＭＳ Ｐゴシック" pitchFamily="-112" charset="-128"/>
+                        <a:cs typeface="Times New Roman" pitchFamily="-112" charset="0"/>
+                      </a:endParaRPr>
                     </a:p>
                     <a:p>
                       <a:pPr marL="0" marR="0" lvl="0" indent="0" algn="l" defTabSz="966788" rtl="0" eaLnBrk="0" fontAlgn="base" latinLnBrk="0" hangingPunct="0">
